--- a/Figures/figure_annotations.pptx
+++ b/Figures/figure_annotations.pptx
@@ -5,7 +5,7 @@
     <p:sldMasterId id="2147483672" r:id="rId1"/>
   </p:sldMasterIdLst>
   <p:notesMasterIdLst>
-    <p:notesMasterId r:id="rId9"/>
+    <p:notesMasterId r:id="rId12"/>
   </p:notesMasterIdLst>
   <p:sldIdLst>
     <p:sldId id="256" r:id="rId2"/>
@@ -15,6 +15,9 @@
     <p:sldId id="260" r:id="rId6"/>
     <p:sldId id="261" r:id="rId7"/>
     <p:sldId id="262" r:id="rId8"/>
+    <p:sldId id="263" r:id="rId9"/>
+    <p:sldId id="264" r:id="rId10"/>
+    <p:sldId id="265" r:id="rId11"/>
   </p:sldIdLst>
   <p:sldSz cx="6858000" cy="9144000" type="letter"/>
   <p:notesSz cx="6858000" cy="9144000"/>
@@ -203,7 +206,7 @@
           <a:p>
             <a:fld id="{CF70D55B-90BB-4890-A1BD-9EAA4A63EA45}" type="datetimeFigureOut">
               <a:rPr lang="en-US" smtClean="0"/>
-              <a:t>3/24/2022</a:t>
+              <a:t>4/1/2022</a:t>
             </a:fld>
             <a:endParaRPr lang="en-US"/>
           </a:p>
@@ -679,6 +682,99 @@
 </p:notes>
 </file>
 
+<file path=ppt/notesSlides/notesSlide3.xml><?xml version="1.0" encoding="utf-8"?>
+<p:notes xmlns:a="http://schemas.openxmlformats.org/drawingml/2006/main" xmlns:r="http://schemas.openxmlformats.org/officeDocument/2006/relationships" xmlns:p="http://schemas.openxmlformats.org/presentationml/2006/main">
+  <p:cSld>
+    <p:spTree>
+      <p:nvGrpSpPr>
+        <p:cNvPr id="1" name=""/>
+        <p:cNvGrpSpPr/>
+        <p:nvPr/>
+      </p:nvGrpSpPr>
+      <p:grpSpPr>
+        <a:xfrm>
+          <a:off x="0" y="0"/>
+          <a:ext cx="0" cy="0"/>
+          <a:chOff x="0" y="0"/>
+          <a:chExt cx="0" cy="0"/>
+        </a:xfrm>
+      </p:grpSpPr>
+      <p:sp>
+        <p:nvSpPr>
+          <p:cNvPr id="2" name="Slide Image Placeholder 1"/>
+          <p:cNvSpPr>
+            <a:spLocks noGrp="1" noRot="1" noChangeAspect="1"/>
+          </p:cNvSpPr>
+          <p:nvPr>
+            <p:ph type="sldImg"/>
+          </p:nvPr>
+        </p:nvSpPr>
+        <p:spPr/>
+      </p:sp>
+      <p:sp>
+        <p:nvSpPr>
+          <p:cNvPr id="3" name="Notes Placeholder 2"/>
+          <p:cNvSpPr>
+            <a:spLocks noGrp="1"/>
+          </p:cNvSpPr>
+          <p:nvPr>
+            <p:ph type="body" idx="1"/>
+          </p:nvPr>
+        </p:nvSpPr>
+        <p:spPr/>
+        <p:txBody>
+          <a:bodyPr/>
+          <a:lstStyle/>
+          <a:p>
+            <a:r>
+              <a:rPr lang="en-US" dirty="0"/>
+              <a:t>1 = Alaska plaice</a:t>
+            </a:r>
+          </a:p>
+          <a:p>
+            <a:r>
+              <a:rPr lang="en-US" dirty="0"/>
+              <a:t>2 = flathead sole </a:t>
+            </a:r>
+          </a:p>
+        </p:txBody>
+      </p:sp>
+      <p:sp>
+        <p:nvSpPr>
+          <p:cNvPr id="4" name="Slide Number Placeholder 3"/>
+          <p:cNvSpPr>
+            <a:spLocks noGrp="1"/>
+          </p:cNvSpPr>
+          <p:nvPr>
+            <p:ph type="sldNum" sz="quarter" idx="5"/>
+          </p:nvPr>
+        </p:nvSpPr>
+        <p:spPr/>
+        <p:txBody>
+          <a:bodyPr/>
+          <a:lstStyle/>
+          <a:p>
+            <a:fld id="{1115C015-F108-4CE8-8C4F-F55CD4D0B62C}" type="slidenum">
+              <a:rPr lang="en-US" smtClean="0"/>
+              <a:t>8</a:t>
+            </a:fld>
+            <a:endParaRPr lang="en-US"/>
+          </a:p>
+        </p:txBody>
+      </p:sp>
+    </p:spTree>
+    <p:extLst>
+      <p:ext uri="{BB962C8B-B14F-4D97-AF65-F5344CB8AC3E}">
+        <p14:creationId xmlns:p14="http://schemas.microsoft.com/office/powerpoint/2010/main" val="3287651648"/>
+      </p:ext>
+    </p:extLst>
+  </p:cSld>
+  <p:clrMapOvr>
+    <a:masterClrMapping/>
+  </p:clrMapOvr>
+</p:notes>
+</file>
+
 <file path=ppt/slideLayouts/slideLayout1.xml><?xml version="1.0" encoding="utf-8"?>
 <p:sldLayout xmlns:a="http://schemas.openxmlformats.org/drawingml/2006/main" xmlns:r="http://schemas.openxmlformats.org/officeDocument/2006/relationships" xmlns:p="http://schemas.openxmlformats.org/presentationml/2006/main" type="title" preserve="1">
   <p:cSld name="Title Slide">
@@ -810,7 +906,7 @@
           <a:p>
             <a:fld id="{A941A19C-B67A-42EC-84A7-D6FA6D9F5285}" type="datetimeFigureOut">
               <a:rPr lang="en-US" smtClean="0"/>
-              <a:t>3/24/2022</a:t>
+              <a:t>4/1/2022</a:t>
             </a:fld>
             <a:endParaRPr lang="en-US"/>
           </a:p>
@@ -980,7 +1076,7 @@
           <a:p>
             <a:fld id="{A941A19C-B67A-42EC-84A7-D6FA6D9F5285}" type="datetimeFigureOut">
               <a:rPr lang="en-US" smtClean="0"/>
-              <a:t>3/24/2022</a:t>
+              <a:t>4/1/2022</a:t>
             </a:fld>
             <a:endParaRPr lang="en-US"/>
           </a:p>
@@ -1160,7 +1256,7 @@
           <a:p>
             <a:fld id="{A941A19C-B67A-42EC-84A7-D6FA6D9F5285}" type="datetimeFigureOut">
               <a:rPr lang="en-US" smtClean="0"/>
-              <a:t>3/24/2022</a:t>
+              <a:t>4/1/2022</a:t>
             </a:fld>
             <a:endParaRPr lang="en-US"/>
           </a:p>
@@ -1330,7 +1426,7 @@
           <a:p>
             <a:fld id="{A941A19C-B67A-42EC-84A7-D6FA6D9F5285}" type="datetimeFigureOut">
               <a:rPr lang="en-US" smtClean="0"/>
-              <a:t>3/24/2022</a:t>
+              <a:t>4/1/2022</a:t>
             </a:fld>
             <a:endParaRPr lang="en-US"/>
           </a:p>
@@ -1574,7 +1670,7 @@
           <a:p>
             <a:fld id="{A941A19C-B67A-42EC-84A7-D6FA6D9F5285}" type="datetimeFigureOut">
               <a:rPr lang="en-US" smtClean="0"/>
-              <a:t>3/24/2022</a:t>
+              <a:t>4/1/2022</a:t>
             </a:fld>
             <a:endParaRPr lang="en-US"/>
           </a:p>
@@ -1806,7 +1902,7 @@
           <a:p>
             <a:fld id="{A941A19C-B67A-42EC-84A7-D6FA6D9F5285}" type="datetimeFigureOut">
               <a:rPr lang="en-US" smtClean="0"/>
-              <a:t>3/24/2022</a:t>
+              <a:t>4/1/2022</a:t>
             </a:fld>
             <a:endParaRPr lang="en-US"/>
           </a:p>
@@ -2173,7 +2269,7 @@
           <a:p>
             <a:fld id="{A941A19C-B67A-42EC-84A7-D6FA6D9F5285}" type="datetimeFigureOut">
               <a:rPr lang="en-US" smtClean="0"/>
-              <a:t>3/24/2022</a:t>
+              <a:t>4/1/2022</a:t>
             </a:fld>
             <a:endParaRPr lang="en-US"/>
           </a:p>
@@ -2291,7 +2387,7 @@
           <a:p>
             <a:fld id="{A941A19C-B67A-42EC-84A7-D6FA6D9F5285}" type="datetimeFigureOut">
               <a:rPr lang="en-US" smtClean="0"/>
-              <a:t>3/24/2022</a:t>
+              <a:t>4/1/2022</a:t>
             </a:fld>
             <a:endParaRPr lang="en-US"/>
           </a:p>
@@ -2386,7 +2482,7 @@
           <a:p>
             <a:fld id="{A941A19C-B67A-42EC-84A7-D6FA6D9F5285}" type="datetimeFigureOut">
               <a:rPr lang="en-US" smtClean="0"/>
-              <a:t>3/24/2022</a:t>
+              <a:t>4/1/2022</a:t>
             </a:fld>
             <a:endParaRPr lang="en-US"/>
           </a:p>
@@ -2663,7 +2759,7 @@
           <a:p>
             <a:fld id="{A941A19C-B67A-42EC-84A7-D6FA6D9F5285}" type="datetimeFigureOut">
               <a:rPr lang="en-US" smtClean="0"/>
-              <a:t>3/24/2022</a:t>
+              <a:t>4/1/2022</a:t>
             </a:fld>
             <a:endParaRPr lang="en-US"/>
           </a:p>
@@ -2920,7 +3016,7 @@
           <a:p>
             <a:fld id="{A941A19C-B67A-42EC-84A7-D6FA6D9F5285}" type="datetimeFigureOut">
               <a:rPr lang="en-US" smtClean="0"/>
-              <a:t>3/24/2022</a:t>
+              <a:t>4/1/2022</a:t>
             </a:fld>
             <a:endParaRPr lang="en-US"/>
           </a:p>
@@ -3133,7 +3229,7 @@
           <a:p>
             <a:fld id="{A941A19C-B67A-42EC-84A7-D6FA6D9F5285}" type="datetimeFigureOut">
               <a:rPr lang="en-US" smtClean="0"/>
-              <a:t>3/24/2022</a:t>
+              <a:t>4/1/2022</a:t>
             </a:fld>
             <a:endParaRPr lang="en-US"/>
           </a:p>
@@ -4045,6 +4141,663 @@
 </p:sld>
 </file>
 
+<file path=ppt/slides/slide10.xml><?xml version="1.0" encoding="utf-8"?>
+<p:sld xmlns:a="http://schemas.openxmlformats.org/drawingml/2006/main" xmlns:r="http://schemas.openxmlformats.org/officeDocument/2006/relationships" xmlns:p="http://schemas.openxmlformats.org/presentationml/2006/main">
+  <p:cSld>
+    <p:spTree>
+      <p:nvGrpSpPr>
+        <p:cNvPr id="1" name=""/>
+        <p:cNvGrpSpPr/>
+        <p:nvPr/>
+      </p:nvGrpSpPr>
+      <p:grpSpPr>
+        <a:xfrm>
+          <a:off x="0" y="0"/>
+          <a:ext cx="0" cy="0"/>
+          <a:chOff x="0" y="0"/>
+          <a:chExt cx="0" cy="0"/>
+        </a:xfrm>
+      </p:grpSpPr>
+      <p:grpSp>
+        <p:nvGrpSpPr>
+          <p:cNvPr id="24" name="Group 23">
+            <a:extLst>
+              <a:ext uri="{FF2B5EF4-FFF2-40B4-BE49-F238E27FC236}">
+                <a16:creationId xmlns:a16="http://schemas.microsoft.com/office/drawing/2014/main" id="{179D53E2-8CA6-46A7-82CC-C6C72BE06AD3}"/>
+              </a:ext>
+            </a:extLst>
+          </p:cNvPr>
+          <p:cNvGrpSpPr/>
+          <p:nvPr/>
+        </p:nvGrpSpPr>
+        <p:grpSpPr>
+          <a:xfrm>
+            <a:off x="76200" y="0"/>
+            <a:ext cx="6772130" cy="3939208"/>
+            <a:chOff x="76200" y="0"/>
+            <a:chExt cx="6772130" cy="3939208"/>
+          </a:xfrm>
+        </p:grpSpPr>
+        <p:grpSp>
+          <p:nvGrpSpPr>
+            <p:cNvPr id="4" name="Group 3">
+              <a:extLst>
+                <a:ext uri="{FF2B5EF4-FFF2-40B4-BE49-F238E27FC236}">
+                  <a16:creationId xmlns:a16="http://schemas.microsoft.com/office/drawing/2014/main" id="{8430B848-F4B3-43F5-B587-682B9BE752E9}"/>
+                </a:ext>
+              </a:extLst>
+            </p:cNvPr>
+            <p:cNvGrpSpPr/>
+            <p:nvPr/>
+          </p:nvGrpSpPr>
+          <p:grpSpPr>
+            <a:xfrm>
+              <a:off x="76200" y="0"/>
+              <a:ext cx="6734920" cy="1969604"/>
+              <a:chOff x="76200" y="0"/>
+              <a:chExt cx="6734920" cy="1969604"/>
+            </a:xfrm>
+          </p:grpSpPr>
+          <p:grpSp>
+            <p:nvGrpSpPr>
+              <p:cNvPr id="15" name="Group 14">
+                <a:extLst>
+                  <a:ext uri="{FF2B5EF4-FFF2-40B4-BE49-F238E27FC236}">
+                    <a16:creationId xmlns:a16="http://schemas.microsoft.com/office/drawing/2014/main" id="{852B3563-CF4D-4566-B191-043E18DD444B}"/>
+                  </a:ext>
+                </a:extLst>
+              </p:cNvPr>
+              <p:cNvGrpSpPr/>
+              <p:nvPr/>
+            </p:nvGrpSpPr>
+            <p:grpSpPr>
+              <a:xfrm>
+                <a:off x="76200" y="0"/>
+                <a:ext cx="2223198" cy="1969604"/>
+                <a:chOff x="139480" y="51684"/>
+                <a:chExt cx="2223198" cy="1969604"/>
+              </a:xfrm>
+            </p:grpSpPr>
+            <p:pic>
+              <p:nvPicPr>
+                <p:cNvPr id="22" name="Picture 21">
+                  <a:extLst>
+                    <a:ext uri="{FF2B5EF4-FFF2-40B4-BE49-F238E27FC236}">
+                      <a16:creationId xmlns:a16="http://schemas.microsoft.com/office/drawing/2014/main" id="{DCAC899D-DE10-4673-8F77-D1FCD52C412D}"/>
+                    </a:ext>
+                  </a:extLst>
+                </p:cNvPr>
+                <p:cNvPicPr>
+                  <a:picLocks noChangeAspect="1"/>
+                </p:cNvPicPr>
+                <p:nvPr/>
+              </p:nvPicPr>
+              <p:blipFill>
+                <a:blip r:embed="rId2">
+                  <a:extLst>
+                    <a:ext uri="{28A0092B-C50C-407E-A947-70E740481C1C}">
+                      <a14:useLocalDpi xmlns:a14="http://schemas.microsoft.com/office/drawing/2010/main" val="0"/>
+                    </a:ext>
+                  </a:extLst>
+                </a:blip>
+                <a:srcRect l="3101" r="3101"/>
+                <a:stretch/>
+              </p:blipFill>
+              <p:spPr>
+                <a:xfrm>
+                  <a:off x="139480" y="51684"/>
+                  <a:ext cx="2223198" cy="1969604"/>
+                </a:xfrm>
+                <a:prstGeom prst="rect">
+                  <a:avLst/>
+                </a:prstGeom>
+              </p:spPr>
+            </p:pic>
+            <p:sp>
+              <p:nvSpPr>
+                <p:cNvPr id="23" name="TextBox 22">
+                  <a:extLst>
+                    <a:ext uri="{FF2B5EF4-FFF2-40B4-BE49-F238E27FC236}">
+                      <a16:creationId xmlns:a16="http://schemas.microsoft.com/office/drawing/2014/main" id="{0110C829-8BAB-4B60-862A-87301787EA9C}"/>
+                    </a:ext>
+                  </a:extLst>
+                </p:cNvPr>
+                <p:cNvSpPr txBox="1"/>
+                <p:nvPr/>
+              </p:nvSpPr>
+              <p:spPr>
+                <a:xfrm>
+                  <a:off x="439137" y="224550"/>
+                  <a:ext cx="350471" cy="238527"/>
+                </a:xfrm>
+                <a:prstGeom prst="rect">
+                  <a:avLst/>
+                </a:prstGeom>
+                <a:noFill/>
+              </p:spPr>
+              <p:txBody>
+                <a:bodyPr wrap="square" rtlCol="0">
+                  <a:spAutoFit/>
+                </a:bodyPr>
+                <a:lstStyle/>
+                <a:p>
+                  <a:r>
+                    <a:rPr lang="en-US" sz="950" dirty="0">
+                      <a:latin typeface="Helvetica" panose="020B0604020202020204" pitchFamily="34" charset="0"/>
+                      <a:cs typeface="Helvetica" panose="020B0604020202020204" pitchFamily="34" charset="0"/>
+                    </a:rPr>
+                    <a:t>AK</a:t>
+                  </a:r>
+                </a:p>
+              </p:txBody>
+            </p:sp>
+          </p:grpSp>
+          <p:grpSp>
+            <p:nvGrpSpPr>
+              <p:cNvPr id="16" name="Group 15">
+                <a:extLst>
+                  <a:ext uri="{FF2B5EF4-FFF2-40B4-BE49-F238E27FC236}">
+                    <a16:creationId xmlns:a16="http://schemas.microsoft.com/office/drawing/2014/main" id="{19CC8A6D-ED0F-4231-8C48-60EEDBB11BDA}"/>
+                  </a:ext>
+                </a:extLst>
+              </p:cNvPr>
+              <p:cNvGrpSpPr/>
+              <p:nvPr/>
+            </p:nvGrpSpPr>
+            <p:grpSpPr>
+              <a:xfrm>
+                <a:off x="4538058" y="0"/>
+                <a:ext cx="2273062" cy="1969604"/>
+                <a:chOff x="121132" y="51684"/>
+                <a:chExt cx="2273062" cy="1969604"/>
+              </a:xfrm>
+            </p:grpSpPr>
+            <p:pic>
+              <p:nvPicPr>
+                <p:cNvPr id="20" name="Picture 19">
+                  <a:extLst>
+                    <a:ext uri="{FF2B5EF4-FFF2-40B4-BE49-F238E27FC236}">
+                      <a16:creationId xmlns:a16="http://schemas.microsoft.com/office/drawing/2014/main" id="{A898F666-8A71-4BC7-8CA2-8DABC551E1F5}"/>
+                    </a:ext>
+                  </a:extLst>
+                </p:cNvPr>
+                <p:cNvPicPr>
+                  <a:picLocks noChangeAspect="1"/>
+                </p:cNvPicPr>
+                <p:nvPr/>
+              </p:nvPicPr>
+              <p:blipFill>
+                <a:blip r:embed="rId3">
+                  <a:extLst>
+                    <a:ext uri="{28A0092B-C50C-407E-A947-70E740481C1C}">
+                      <a14:useLocalDpi xmlns:a14="http://schemas.microsoft.com/office/drawing/2010/main" val="0"/>
+                    </a:ext>
+                  </a:extLst>
+                </a:blip>
+                <a:srcRect l="2049" r="2049"/>
+                <a:stretch/>
+              </p:blipFill>
+              <p:spPr>
+                <a:xfrm>
+                  <a:off x="121132" y="51684"/>
+                  <a:ext cx="2273062" cy="1969604"/>
+                </a:xfrm>
+                <a:prstGeom prst="rect">
+                  <a:avLst/>
+                </a:prstGeom>
+              </p:spPr>
+            </p:pic>
+            <p:sp>
+              <p:nvSpPr>
+                <p:cNvPr id="21" name="TextBox 20">
+                  <a:extLst>
+                    <a:ext uri="{FF2B5EF4-FFF2-40B4-BE49-F238E27FC236}">
+                      <a16:creationId xmlns:a16="http://schemas.microsoft.com/office/drawing/2014/main" id="{5F0020D5-0239-470D-845B-E3F97BEB75DA}"/>
+                    </a:ext>
+                  </a:extLst>
+                </p:cNvPr>
+                <p:cNvSpPr txBox="1"/>
+                <p:nvPr/>
+              </p:nvSpPr>
+              <p:spPr>
+                <a:xfrm>
+                  <a:off x="440149" y="224551"/>
+                  <a:ext cx="454395" cy="238527"/>
+                </a:xfrm>
+                <a:prstGeom prst="rect">
+                  <a:avLst/>
+                </a:prstGeom>
+                <a:noFill/>
+              </p:spPr>
+              <p:txBody>
+                <a:bodyPr wrap="square" rtlCol="0">
+                  <a:spAutoFit/>
+                </a:bodyPr>
+                <a:lstStyle/>
+                <a:p>
+                  <a:r>
+                    <a:rPr lang="en-US" sz="950" dirty="0">
+                      <a:latin typeface="Helvetica" panose="020B0604020202020204" pitchFamily="34" charset="0"/>
+                      <a:cs typeface="Helvetica" panose="020B0604020202020204" pitchFamily="34" charset="0"/>
+                    </a:rPr>
+                    <a:t>NRS</a:t>
+                  </a:r>
+                </a:p>
+              </p:txBody>
+            </p:sp>
+          </p:grpSp>
+          <p:grpSp>
+            <p:nvGrpSpPr>
+              <p:cNvPr id="17" name="Group 16">
+                <a:extLst>
+                  <a:ext uri="{FF2B5EF4-FFF2-40B4-BE49-F238E27FC236}">
+                    <a16:creationId xmlns:a16="http://schemas.microsoft.com/office/drawing/2014/main" id="{94692EC2-F2D2-4B43-9925-36727DE605C0}"/>
+                  </a:ext>
+                </a:extLst>
+              </p:cNvPr>
+              <p:cNvGrpSpPr/>
+              <p:nvPr/>
+            </p:nvGrpSpPr>
+            <p:grpSpPr>
+              <a:xfrm>
+                <a:off x="2299398" y="0"/>
+                <a:ext cx="2257008" cy="1969604"/>
+                <a:chOff x="105670" y="51684"/>
+                <a:chExt cx="2257008" cy="1969604"/>
+              </a:xfrm>
+            </p:grpSpPr>
+            <p:pic>
+              <p:nvPicPr>
+                <p:cNvPr id="18" name="Picture 17">
+                  <a:extLst>
+                    <a:ext uri="{FF2B5EF4-FFF2-40B4-BE49-F238E27FC236}">
+                      <a16:creationId xmlns:a16="http://schemas.microsoft.com/office/drawing/2014/main" id="{220610A0-5EED-41B0-B9AA-3BE917199FFB}"/>
+                    </a:ext>
+                  </a:extLst>
+                </p:cNvPr>
+                <p:cNvPicPr>
+                  <a:picLocks noChangeAspect="1"/>
+                </p:cNvPicPr>
+                <p:nvPr/>
+              </p:nvPicPr>
+              <p:blipFill>
+                <a:blip r:embed="rId4">
+                  <a:extLst>
+                    <a:ext uri="{28A0092B-C50C-407E-A947-70E740481C1C}">
+                      <a14:useLocalDpi xmlns:a14="http://schemas.microsoft.com/office/drawing/2010/main" val="0"/>
+                    </a:ext>
+                  </a:extLst>
+                </a:blip>
+                <a:srcRect l="2388" r="2388"/>
+                <a:stretch/>
+              </p:blipFill>
+              <p:spPr>
+                <a:xfrm>
+                  <a:off x="105670" y="51684"/>
+                  <a:ext cx="2257008" cy="1969604"/>
+                </a:xfrm>
+                <a:prstGeom prst="rect">
+                  <a:avLst/>
+                </a:prstGeom>
+              </p:spPr>
+            </p:pic>
+            <p:sp>
+              <p:nvSpPr>
+                <p:cNvPr id="19" name="TextBox 18">
+                  <a:extLst>
+                    <a:ext uri="{FF2B5EF4-FFF2-40B4-BE49-F238E27FC236}">
+                      <a16:creationId xmlns:a16="http://schemas.microsoft.com/office/drawing/2014/main" id="{BD79C55C-6FF6-42ED-A60B-9BA530BF584B}"/>
+                    </a:ext>
+                  </a:extLst>
+                </p:cNvPr>
+                <p:cNvSpPr txBox="1"/>
+                <p:nvPr/>
+              </p:nvSpPr>
+              <p:spPr>
+                <a:xfrm>
+                  <a:off x="406339" y="229124"/>
+                  <a:ext cx="474230" cy="238527"/>
+                </a:xfrm>
+                <a:prstGeom prst="rect">
+                  <a:avLst/>
+                </a:prstGeom>
+                <a:noFill/>
+              </p:spPr>
+              <p:txBody>
+                <a:bodyPr wrap="square" rtlCol="0">
+                  <a:spAutoFit/>
+                </a:bodyPr>
+                <a:lstStyle/>
+                <a:p>
+                  <a:r>
+                    <a:rPr lang="en-US" sz="950" dirty="0">
+                      <a:latin typeface="Helvetica" panose="020B0604020202020204" pitchFamily="34" charset="0"/>
+                      <a:cs typeface="Helvetica" panose="020B0604020202020204" pitchFamily="34" charset="0"/>
+                    </a:rPr>
+                    <a:t>FHS</a:t>
+                  </a:r>
+                </a:p>
+              </p:txBody>
+            </p:sp>
+          </p:grpSp>
+        </p:grpSp>
+        <p:grpSp>
+          <p:nvGrpSpPr>
+            <p:cNvPr id="5" name="Group 4">
+              <a:extLst>
+                <a:ext uri="{FF2B5EF4-FFF2-40B4-BE49-F238E27FC236}">
+                  <a16:creationId xmlns:a16="http://schemas.microsoft.com/office/drawing/2014/main" id="{2114C543-B034-429B-AF44-469811BA5350}"/>
+                </a:ext>
+              </a:extLst>
+            </p:cNvPr>
+            <p:cNvGrpSpPr/>
+            <p:nvPr/>
+          </p:nvGrpSpPr>
+          <p:grpSpPr>
+            <a:xfrm>
+              <a:off x="76200" y="1969602"/>
+              <a:ext cx="6772130" cy="1969606"/>
+              <a:chOff x="101132" y="-2"/>
+              <a:chExt cx="6772130" cy="1969606"/>
+            </a:xfrm>
+          </p:grpSpPr>
+          <p:grpSp>
+            <p:nvGrpSpPr>
+              <p:cNvPr id="6" name="Group 5">
+                <a:extLst>
+                  <a:ext uri="{FF2B5EF4-FFF2-40B4-BE49-F238E27FC236}">
+                    <a16:creationId xmlns:a16="http://schemas.microsoft.com/office/drawing/2014/main" id="{B1BF77AA-3182-404A-AFEC-F60B6E69CB6D}"/>
+                  </a:ext>
+                </a:extLst>
+              </p:cNvPr>
+              <p:cNvGrpSpPr/>
+              <p:nvPr/>
+            </p:nvGrpSpPr>
+            <p:grpSpPr>
+              <a:xfrm>
+                <a:off x="101132" y="0"/>
+                <a:ext cx="2274466" cy="1969604"/>
+                <a:chOff x="164412" y="51684"/>
+                <a:chExt cx="2274466" cy="1969604"/>
+              </a:xfrm>
+            </p:grpSpPr>
+            <p:pic>
+              <p:nvPicPr>
+                <p:cNvPr id="13" name="Picture 12">
+                  <a:extLst>
+                    <a:ext uri="{FF2B5EF4-FFF2-40B4-BE49-F238E27FC236}">
+                      <a16:creationId xmlns:a16="http://schemas.microsoft.com/office/drawing/2014/main" id="{A3BE1FC8-33AD-4F6A-85E1-3395A596D83C}"/>
+                    </a:ext>
+                  </a:extLst>
+                </p:cNvPr>
+                <p:cNvPicPr>
+                  <a:picLocks noChangeAspect="1"/>
+                </p:cNvPicPr>
+                <p:nvPr/>
+              </p:nvPicPr>
+              <p:blipFill>
+                <a:blip r:embed="rId5">
+                  <a:extLst>
+                    <a:ext uri="{28A0092B-C50C-407E-A947-70E740481C1C}">
+                      <a14:useLocalDpi xmlns:a14="http://schemas.microsoft.com/office/drawing/2010/main" val="0"/>
+                    </a:ext>
+                  </a:extLst>
+                </a:blip>
+                <a:srcRect l="2020" r="2020"/>
+                <a:stretch/>
+              </p:blipFill>
+              <p:spPr>
+                <a:xfrm>
+                  <a:off x="164412" y="51684"/>
+                  <a:ext cx="2274466" cy="1969604"/>
+                </a:xfrm>
+                <a:prstGeom prst="rect">
+                  <a:avLst/>
+                </a:prstGeom>
+              </p:spPr>
+            </p:pic>
+            <p:sp>
+              <p:nvSpPr>
+                <p:cNvPr id="14" name="TextBox 13">
+                  <a:extLst>
+                    <a:ext uri="{FF2B5EF4-FFF2-40B4-BE49-F238E27FC236}">
+                      <a16:creationId xmlns:a16="http://schemas.microsoft.com/office/drawing/2014/main" id="{1871D739-437A-4C0A-9DF1-2B71E22290A2}"/>
+                    </a:ext>
+                  </a:extLst>
+                </p:cNvPr>
+                <p:cNvSpPr txBox="1"/>
+                <p:nvPr/>
+              </p:nvSpPr>
+              <p:spPr>
+                <a:xfrm>
+                  <a:off x="456907" y="215998"/>
+                  <a:ext cx="364794" cy="238527"/>
+                </a:xfrm>
+                <a:prstGeom prst="rect">
+                  <a:avLst/>
+                </a:prstGeom>
+                <a:noFill/>
+              </p:spPr>
+              <p:txBody>
+                <a:bodyPr wrap="square" rtlCol="0">
+                  <a:spAutoFit/>
+                </a:bodyPr>
+                <a:lstStyle/>
+                <a:p>
+                  <a:r>
+                    <a:rPr lang="en-US" sz="950" dirty="0">
+                      <a:latin typeface="Helvetica" panose="020B0604020202020204" pitchFamily="34" charset="0"/>
+                      <a:cs typeface="Helvetica" panose="020B0604020202020204" pitchFamily="34" charset="0"/>
+                    </a:rPr>
+                    <a:t>PC</a:t>
+                  </a:r>
+                </a:p>
+              </p:txBody>
+            </p:sp>
+          </p:grpSp>
+          <p:grpSp>
+            <p:nvGrpSpPr>
+              <p:cNvPr id="7" name="Group 6">
+                <a:extLst>
+                  <a:ext uri="{FF2B5EF4-FFF2-40B4-BE49-F238E27FC236}">
+                    <a16:creationId xmlns:a16="http://schemas.microsoft.com/office/drawing/2014/main" id="{720285C8-4FD8-4CE5-8A1A-BE82EE15B664}"/>
+                  </a:ext>
+                </a:extLst>
+              </p:cNvPr>
+              <p:cNvGrpSpPr/>
+              <p:nvPr/>
+            </p:nvGrpSpPr>
+            <p:grpSpPr>
+              <a:xfrm>
+                <a:off x="4598796" y="-2"/>
+                <a:ext cx="2274466" cy="1969604"/>
+                <a:chOff x="181870" y="51682"/>
+                <a:chExt cx="2274466" cy="1969604"/>
+              </a:xfrm>
+            </p:grpSpPr>
+            <p:pic>
+              <p:nvPicPr>
+                <p:cNvPr id="11" name="Picture 10">
+                  <a:extLst>
+                    <a:ext uri="{FF2B5EF4-FFF2-40B4-BE49-F238E27FC236}">
+                      <a16:creationId xmlns:a16="http://schemas.microsoft.com/office/drawing/2014/main" id="{97BB9E27-6DC1-4A72-A86B-FBBA24151CDD}"/>
+                    </a:ext>
+                  </a:extLst>
+                </p:cNvPr>
+                <p:cNvPicPr>
+                  <a:picLocks noChangeAspect="1"/>
+                </p:cNvPicPr>
+                <p:nvPr/>
+              </p:nvPicPr>
+              <p:blipFill>
+                <a:blip r:embed="rId6">
+                  <a:extLst>
+                    <a:ext uri="{28A0092B-C50C-407E-A947-70E740481C1C}">
+                      <a14:useLocalDpi xmlns:a14="http://schemas.microsoft.com/office/drawing/2010/main" val="0"/>
+                    </a:ext>
+                  </a:extLst>
+                </a:blip>
+                <a:srcRect l="2020" r="2020"/>
+                <a:stretch/>
+              </p:blipFill>
+              <p:spPr>
+                <a:xfrm>
+                  <a:off x="181870" y="51682"/>
+                  <a:ext cx="2274466" cy="1969604"/>
+                </a:xfrm>
+                <a:prstGeom prst="rect">
+                  <a:avLst/>
+                </a:prstGeom>
+              </p:spPr>
+            </p:pic>
+            <p:sp>
+              <p:nvSpPr>
+                <p:cNvPr id="12" name="TextBox 11">
+                  <a:extLst>
+                    <a:ext uri="{FF2B5EF4-FFF2-40B4-BE49-F238E27FC236}">
+                      <a16:creationId xmlns:a16="http://schemas.microsoft.com/office/drawing/2014/main" id="{C6708953-715E-409E-BA06-28D00F3E9108}"/>
+                    </a:ext>
+                  </a:extLst>
+                </p:cNvPr>
+                <p:cNvSpPr txBox="1"/>
+                <p:nvPr/>
+              </p:nvSpPr>
+              <p:spPr>
+                <a:xfrm>
+                  <a:off x="1487094" y="229123"/>
+                  <a:ext cx="427798" cy="238527"/>
+                </a:xfrm>
+                <a:prstGeom prst="rect">
+                  <a:avLst/>
+                </a:prstGeom>
+                <a:noFill/>
+              </p:spPr>
+              <p:txBody>
+                <a:bodyPr wrap="square" rtlCol="0">
+                  <a:spAutoFit/>
+                </a:bodyPr>
+                <a:lstStyle/>
+                <a:p>
+                  <a:r>
+                    <a:rPr lang="en-US" sz="950" dirty="0">
+                      <a:latin typeface="Helvetica" panose="020B0604020202020204" pitchFamily="34" charset="0"/>
+                      <a:cs typeface="Helvetica" panose="020B0604020202020204" pitchFamily="34" charset="0"/>
+                    </a:rPr>
+                    <a:t>YFS</a:t>
+                  </a:r>
+                </a:p>
+              </p:txBody>
+            </p:sp>
+          </p:grpSp>
+          <p:grpSp>
+            <p:nvGrpSpPr>
+              <p:cNvPr id="8" name="Group 7">
+                <a:extLst>
+                  <a:ext uri="{FF2B5EF4-FFF2-40B4-BE49-F238E27FC236}">
+                    <a16:creationId xmlns:a16="http://schemas.microsoft.com/office/drawing/2014/main" id="{AF974271-8301-4E49-AC01-4FE32A136D08}"/>
+                  </a:ext>
+                </a:extLst>
+              </p:cNvPr>
+              <p:cNvGrpSpPr/>
+              <p:nvPr/>
+            </p:nvGrpSpPr>
+            <p:grpSpPr>
+              <a:xfrm>
+                <a:off x="2331804" y="0"/>
+                <a:ext cx="2274466" cy="1969604"/>
+                <a:chOff x="138076" y="51684"/>
+                <a:chExt cx="2274466" cy="1969604"/>
+              </a:xfrm>
+            </p:grpSpPr>
+            <p:pic>
+              <p:nvPicPr>
+                <p:cNvPr id="9" name="Picture 8">
+                  <a:extLst>
+                    <a:ext uri="{FF2B5EF4-FFF2-40B4-BE49-F238E27FC236}">
+                      <a16:creationId xmlns:a16="http://schemas.microsoft.com/office/drawing/2014/main" id="{8F386619-3F27-4983-9FDC-F521F113F363}"/>
+                    </a:ext>
+                  </a:extLst>
+                </p:cNvPr>
+                <p:cNvPicPr>
+                  <a:picLocks noChangeAspect="1"/>
+                </p:cNvPicPr>
+                <p:nvPr/>
+              </p:nvPicPr>
+              <p:blipFill>
+                <a:blip r:embed="rId7">
+                  <a:extLst>
+                    <a:ext uri="{28A0092B-C50C-407E-A947-70E740481C1C}">
+                      <a14:useLocalDpi xmlns:a14="http://schemas.microsoft.com/office/drawing/2010/main" val="0"/>
+                    </a:ext>
+                  </a:extLst>
+                </a:blip>
+                <a:srcRect l="2020" r="2020"/>
+                <a:stretch/>
+              </p:blipFill>
+              <p:spPr>
+                <a:xfrm>
+                  <a:off x="138076" y="51684"/>
+                  <a:ext cx="2274466" cy="1969604"/>
+                </a:xfrm>
+                <a:prstGeom prst="rect">
+                  <a:avLst/>
+                </a:prstGeom>
+              </p:spPr>
+            </p:pic>
+            <p:sp>
+              <p:nvSpPr>
+                <p:cNvPr id="10" name="TextBox 9">
+                  <a:extLst>
+                    <a:ext uri="{FF2B5EF4-FFF2-40B4-BE49-F238E27FC236}">
+                      <a16:creationId xmlns:a16="http://schemas.microsoft.com/office/drawing/2014/main" id="{7EFB8316-90A8-4596-B635-DD6BB5B82D1B}"/>
+                    </a:ext>
+                  </a:extLst>
+                </p:cNvPr>
+                <p:cNvSpPr txBox="1"/>
+                <p:nvPr/>
+              </p:nvSpPr>
+              <p:spPr>
+                <a:xfrm>
+                  <a:off x="450888" y="229124"/>
+                  <a:ext cx="402868" cy="238527"/>
+                </a:xfrm>
+                <a:prstGeom prst="rect">
+                  <a:avLst/>
+                </a:prstGeom>
+                <a:noFill/>
+              </p:spPr>
+              <p:txBody>
+                <a:bodyPr wrap="square" rtlCol="0">
+                  <a:spAutoFit/>
+                </a:bodyPr>
+                <a:lstStyle/>
+                <a:p>
+                  <a:r>
+                    <a:rPr lang="en-US" sz="950" dirty="0">
+                      <a:latin typeface="Helvetica" panose="020B0604020202020204" pitchFamily="34" charset="0"/>
+                      <a:cs typeface="Helvetica" panose="020B0604020202020204" pitchFamily="34" charset="0"/>
+                    </a:rPr>
+                    <a:t>WP</a:t>
+                  </a:r>
+                </a:p>
+              </p:txBody>
+            </p:sp>
+          </p:grpSp>
+        </p:grpSp>
+      </p:grpSp>
+    </p:spTree>
+    <p:extLst>
+      <p:ext uri="{BB962C8B-B14F-4D97-AF65-F5344CB8AC3E}">
+        <p14:creationId xmlns:p14="http://schemas.microsoft.com/office/powerpoint/2010/main" val="1452584389"/>
+      </p:ext>
+    </p:extLst>
+  </p:cSld>
+  <p:clrMapOvr>
+    <a:masterClrMapping/>
+  </p:clrMapOvr>
+</p:sld>
+</file>
+
 <file path=ppt/slides/slide2.xml><?xml version="1.0" encoding="utf-8"?>
 <p:sld xmlns:a="http://schemas.openxmlformats.org/drawingml/2006/main" xmlns:r="http://schemas.openxmlformats.org/officeDocument/2006/relationships" xmlns:p="http://schemas.openxmlformats.org/presentationml/2006/main">
   <p:cSld>
@@ -6518,6 +7271,992 @@
     <p:extLst>
       <p:ext uri="{BB962C8B-B14F-4D97-AF65-F5344CB8AC3E}">
         <p14:creationId xmlns:p14="http://schemas.microsoft.com/office/powerpoint/2010/main" val="427220620"/>
+      </p:ext>
+    </p:extLst>
+  </p:cSld>
+  <p:clrMapOvr>
+    <a:masterClrMapping/>
+  </p:clrMapOvr>
+</p:sld>
+</file>
+
+<file path=ppt/slides/slide8.xml><?xml version="1.0" encoding="utf-8"?>
+<p:sld xmlns:a="http://schemas.openxmlformats.org/drawingml/2006/main" xmlns:r="http://schemas.openxmlformats.org/officeDocument/2006/relationships" xmlns:p="http://schemas.openxmlformats.org/presentationml/2006/main">
+  <p:cSld>
+    <p:spTree>
+      <p:nvGrpSpPr>
+        <p:cNvPr id="1" name=""/>
+        <p:cNvGrpSpPr/>
+        <p:nvPr/>
+      </p:nvGrpSpPr>
+      <p:grpSpPr>
+        <a:xfrm>
+          <a:off x="0" y="0"/>
+          <a:ext cx="0" cy="0"/>
+          <a:chOff x="0" y="0"/>
+          <a:chExt cx="0" cy="0"/>
+        </a:xfrm>
+      </p:grpSpPr>
+      <p:grpSp>
+        <p:nvGrpSpPr>
+          <p:cNvPr id="27" name="Group 26">
+            <a:extLst>
+              <a:ext uri="{FF2B5EF4-FFF2-40B4-BE49-F238E27FC236}">
+                <a16:creationId xmlns:a16="http://schemas.microsoft.com/office/drawing/2014/main" id="{FD0CFBC6-2A44-4EBA-A2B9-EFE6A1EC7B56}"/>
+              </a:ext>
+            </a:extLst>
+          </p:cNvPr>
+          <p:cNvGrpSpPr/>
+          <p:nvPr/>
+        </p:nvGrpSpPr>
+        <p:grpSpPr>
+          <a:xfrm>
+            <a:off x="-1" y="-1"/>
+            <a:ext cx="6858003" cy="3927942"/>
+            <a:chOff x="-1" y="-1"/>
+            <a:chExt cx="6858003" cy="3927942"/>
+          </a:xfrm>
+        </p:grpSpPr>
+        <p:pic>
+          <p:nvPicPr>
+            <p:cNvPr id="15" name="Picture 14" descr="Chart&#10;&#10;Description automatically generated">
+              <a:extLst>
+                <a:ext uri="{FF2B5EF4-FFF2-40B4-BE49-F238E27FC236}">
+                  <a16:creationId xmlns:a16="http://schemas.microsoft.com/office/drawing/2014/main" id="{7E82F98A-43BD-4199-A36A-AD284982074D}"/>
+                </a:ext>
+              </a:extLst>
+            </p:cNvPr>
+            <p:cNvPicPr>
+              <a:picLocks noChangeAspect="1"/>
+            </p:cNvPicPr>
+            <p:nvPr/>
+          </p:nvPicPr>
+          <p:blipFill>
+            <a:blip r:embed="rId3">
+              <a:extLst>
+                <a:ext uri="{28A0092B-C50C-407E-A947-70E740481C1C}">
+                  <a14:useLocalDpi xmlns:a14="http://schemas.microsoft.com/office/drawing/2010/main" val="0"/>
+                </a:ext>
+              </a:extLst>
+            </a:blip>
+            <a:stretch>
+              <a:fillRect/>
+            </a:stretch>
+          </p:blipFill>
+          <p:spPr>
+            <a:xfrm>
+              <a:off x="0" y="-1"/>
+              <a:ext cx="2363424" cy="1963971"/>
+            </a:xfrm>
+            <a:prstGeom prst="rect">
+              <a:avLst/>
+            </a:prstGeom>
+          </p:spPr>
+        </p:pic>
+        <p:pic>
+          <p:nvPicPr>
+            <p:cNvPr id="16" name="Picture 15">
+              <a:extLst>
+                <a:ext uri="{FF2B5EF4-FFF2-40B4-BE49-F238E27FC236}">
+                  <a16:creationId xmlns:a16="http://schemas.microsoft.com/office/drawing/2014/main" id="{3F8F9EE2-9E91-45C0-96B6-84F9309824FD}"/>
+                </a:ext>
+              </a:extLst>
+            </p:cNvPr>
+            <p:cNvPicPr>
+              <a:picLocks noChangeAspect="1"/>
+            </p:cNvPicPr>
+            <p:nvPr/>
+          </p:nvPicPr>
+          <p:blipFill>
+            <a:blip r:embed="rId4">
+              <a:extLst>
+                <a:ext uri="{28A0092B-C50C-407E-A947-70E740481C1C}">
+                  <a14:useLocalDpi xmlns:a14="http://schemas.microsoft.com/office/drawing/2010/main" val="0"/>
+                </a:ext>
+              </a:extLst>
+            </a:blip>
+            <a:srcRect/>
+            <a:stretch/>
+          </p:blipFill>
+          <p:spPr>
+            <a:xfrm>
+              <a:off x="2239337" y="0"/>
+              <a:ext cx="2363423" cy="1963972"/>
+            </a:xfrm>
+            <a:prstGeom prst="rect">
+              <a:avLst/>
+            </a:prstGeom>
+          </p:spPr>
+        </p:pic>
+        <p:pic>
+          <p:nvPicPr>
+            <p:cNvPr id="17" name="Picture 16">
+              <a:extLst>
+                <a:ext uri="{FF2B5EF4-FFF2-40B4-BE49-F238E27FC236}">
+                  <a16:creationId xmlns:a16="http://schemas.microsoft.com/office/drawing/2014/main" id="{27E292C5-8BF9-481C-A6BE-A68059388E52}"/>
+                </a:ext>
+              </a:extLst>
+            </p:cNvPr>
+            <p:cNvPicPr>
+              <a:picLocks noChangeAspect="1"/>
+            </p:cNvPicPr>
+            <p:nvPr/>
+          </p:nvPicPr>
+          <p:blipFill>
+            <a:blip r:embed="rId5">
+              <a:extLst>
+                <a:ext uri="{28A0092B-C50C-407E-A947-70E740481C1C}">
+                  <a14:useLocalDpi xmlns:a14="http://schemas.microsoft.com/office/drawing/2010/main" val="0"/>
+                </a:ext>
+              </a:extLst>
+            </a:blip>
+            <a:srcRect/>
+            <a:stretch/>
+          </p:blipFill>
+          <p:spPr>
+            <a:xfrm>
+              <a:off x="4494579" y="0"/>
+              <a:ext cx="2363423" cy="1963971"/>
+            </a:xfrm>
+            <a:prstGeom prst="rect">
+              <a:avLst/>
+            </a:prstGeom>
+          </p:spPr>
+        </p:pic>
+        <p:pic>
+          <p:nvPicPr>
+            <p:cNvPr id="18" name="Picture 17">
+              <a:extLst>
+                <a:ext uri="{FF2B5EF4-FFF2-40B4-BE49-F238E27FC236}">
+                  <a16:creationId xmlns:a16="http://schemas.microsoft.com/office/drawing/2014/main" id="{8E529E67-C4AC-40D7-A24B-88796CE3ABA6}"/>
+                </a:ext>
+              </a:extLst>
+            </p:cNvPr>
+            <p:cNvPicPr>
+              <a:picLocks noChangeAspect="1"/>
+            </p:cNvPicPr>
+            <p:nvPr/>
+          </p:nvPicPr>
+          <p:blipFill>
+            <a:blip r:embed="rId6">
+              <a:extLst>
+                <a:ext uri="{28A0092B-C50C-407E-A947-70E740481C1C}">
+                  <a14:useLocalDpi xmlns:a14="http://schemas.microsoft.com/office/drawing/2010/main" val="0"/>
+                </a:ext>
+              </a:extLst>
+            </a:blip>
+            <a:srcRect/>
+            <a:stretch/>
+          </p:blipFill>
+          <p:spPr>
+            <a:xfrm>
+              <a:off x="-1" y="1963969"/>
+              <a:ext cx="2363422" cy="1963971"/>
+            </a:xfrm>
+            <a:prstGeom prst="rect">
+              <a:avLst/>
+            </a:prstGeom>
+          </p:spPr>
+        </p:pic>
+        <p:pic>
+          <p:nvPicPr>
+            <p:cNvPr id="19" name="Picture 18">
+              <a:extLst>
+                <a:ext uri="{FF2B5EF4-FFF2-40B4-BE49-F238E27FC236}">
+                  <a16:creationId xmlns:a16="http://schemas.microsoft.com/office/drawing/2014/main" id="{8A32B0CD-8F02-4B0C-86BB-146965F4FB17}"/>
+                </a:ext>
+              </a:extLst>
+            </p:cNvPr>
+            <p:cNvPicPr>
+              <a:picLocks noChangeAspect="1"/>
+            </p:cNvPicPr>
+            <p:nvPr/>
+          </p:nvPicPr>
+          <p:blipFill>
+            <a:blip r:embed="rId7">
+              <a:extLst>
+                <a:ext uri="{28A0092B-C50C-407E-A947-70E740481C1C}">
+                  <a14:useLocalDpi xmlns:a14="http://schemas.microsoft.com/office/drawing/2010/main" val="0"/>
+                </a:ext>
+              </a:extLst>
+            </a:blip>
+            <a:srcRect/>
+            <a:stretch/>
+          </p:blipFill>
+          <p:spPr>
+            <a:xfrm>
+              <a:off x="2239335" y="1963970"/>
+              <a:ext cx="2363423" cy="1963971"/>
+            </a:xfrm>
+            <a:prstGeom prst="rect">
+              <a:avLst/>
+            </a:prstGeom>
+          </p:spPr>
+        </p:pic>
+        <p:pic>
+          <p:nvPicPr>
+            <p:cNvPr id="20" name="Picture 19">
+              <a:extLst>
+                <a:ext uri="{FF2B5EF4-FFF2-40B4-BE49-F238E27FC236}">
+                  <a16:creationId xmlns:a16="http://schemas.microsoft.com/office/drawing/2014/main" id="{E9D619E4-53D1-44BB-A39B-23ED9E0CF76B}"/>
+                </a:ext>
+              </a:extLst>
+            </p:cNvPr>
+            <p:cNvPicPr>
+              <a:picLocks noChangeAspect="1"/>
+            </p:cNvPicPr>
+            <p:nvPr/>
+          </p:nvPicPr>
+          <p:blipFill>
+            <a:blip r:embed="rId8">
+              <a:extLst>
+                <a:ext uri="{28A0092B-C50C-407E-A947-70E740481C1C}">
+                  <a14:useLocalDpi xmlns:a14="http://schemas.microsoft.com/office/drawing/2010/main" val="0"/>
+                </a:ext>
+              </a:extLst>
+            </a:blip>
+            <a:srcRect/>
+            <a:stretch/>
+          </p:blipFill>
+          <p:spPr>
+            <a:xfrm>
+              <a:off x="4494577" y="1963970"/>
+              <a:ext cx="2363422" cy="1963971"/>
+            </a:xfrm>
+            <a:prstGeom prst="rect">
+              <a:avLst/>
+            </a:prstGeom>
+          </p:spPr>
+        </p:pic>
+        <p:sp>
+          <p:nvSpPr>
+            <p:cNvPr id="21" name="TextBox 20">
+              <a:extLst>
+                <a:ext uri="{FF2B5EF4-FFF2-40B4-BE49-F238E27FC236}">
+                  <a16:creationId xmlns:a16="http://schemas.microsoft.com/office/drawing/2014/main" id="{B4C65C93-E1F3-4AC1-98E5-915886FEC05E}"/>
+                </a:ext>
+              </a:extLst>
+            </p:cNvPr>
+            <p:cNvSpPr txBox="1"/>
+            <p:nvPr/>
+          </p:nvSpPr>
+          <p:spPr>
+            <a:xfrm>
+              <a:off x="1430504" y="173905"/>
+              <a:ext cx="325370" cy="215444"/>
+            </a:xfrm>
+            <a:prstGeom prst="rect">
+              <a:avLst/>
+            </a:prstGeom>
+            <a:noFill/>
+          </p:spPr>
+          <p:txBody>
+            <a:bodyPr wrap="square" rtlCol="0">
+              <a:spAutoFit/>
+            </a:bodyPr>
+            <a:lstStyle/>
+            <a:p>
+              <a:pPr algn="ctr"/>
+              <a:r>
+                <a:rPr lang="en-US" sz="800" dirty="0">
+                  <a:latin typeface="Helvetica" panose="020B0604020202020204" pitchFamily="34" charset="0"/>
+                  <a:cs typeface="Helvetica" panose="020B0604020202020204" pitchFamily="34" charset="0"/>
+                </a:rPr>
+                <a:t>AP</a:t>
+              </a:r>
+            </a:p>
+          </p:txBody>
+        </p:sp>
+        <p:sp>
+          <p:nvSpPr>
+            <p:cNvPr id="22" name="TextBox 21">
+              <a:extLst>
+                <a:ext uri="{FF2B5EF4-FFF2-40B4-BE49-F238E27FC236}">
+                  <a16:creationId xmlns:a16="http://schemas.microsoft.com/office/drawing/2014/main" id="{E57A0D90-7915-411E-A35E-7E268F922D08}"/>
+                </a:ext>
+              </a:extLst>
+            </p:cNvPr>
+            <p:cNvSpPr txBox="1"/>
+            <p:nvPr/>
+          </p:nvSpPr>
+          <p:spPr>
+            <a:xfrm>
+              <a:off x="3597391" y="173905"/>
+              <a:ext cx="413724" cy="215444"/>
+            </a:xfrm>
+            <a:prstGeom prst="rect">
+              <a:avLst/>
+            </a:prstGeom>
+            <a:noFill/>
+          </p:spPr>
+          <p:txBody>
+            <a:bodyPr wrap="square" rtlCol="0">
+              <a:spAutoFit/>
+            </a:bodyPr>
+            <a:lstStyle/>
+            <a:p>
+              <a:pPr algn="ctr"/>
+              <a:r>
+                <a:rPr lang="en-US" sz="800" dirty="0">
+                  <a:latin typeface="Helvetica" panose="020B0604020202020204" pitchFamily="34" charset="0"/>
+                  <a:cs typeface="Helvetica" panose="020B0604020202020204" pitchFamily="34" charset="0"/>
+                </a:rPr>
+                <a:t>FHS</a:t>
+              </a:r>
+            </a:p>
+          </p:txBody>
+        </p:sp>
+        <p:sp>
+          <p:nvSpPr>
+            <p:cNvPr id="23" name="TextBox 22">
+              <a:extLst>
+                <a:ext uri="{FF2B5EF4-FFF2-40B4-BE49-F238E27FC236}">
+                  <a16:creationId xmlns:a16="http://schemas.microsoft.com/office/drawing/2014/main" id="{234B22B2-79CC-4577-AAE8-871C716CA9BD}"/>
+                </a:ext>
+              </a:extLst>
+            </p:cNvPr>
+            <p:cNvSpPr txBox="1"/>
+            <p:nvPr/>
+          </p:nvSpPr>
+          <p:spPr>
+            <a:xfrm>
+              <a:off x="5826218" y="173905"/>
+              <a:ext cx="465982" cy="215444"/>
+            </a:xfrm>
+            <a:prstGeom prst="rect">
+              <a:avLst/>
+            </a:prstGeom>
+            <a:noFill/>
+          </p:spPr>
+          <p:txBody>
+            <a:bodyPr wrap="square" rtlCol="0">
+              <a:spAutoFit/>
+            </a:bodyPr>
+            <a:lstStyle/>
+            <a:p>
+              <a:pPr algn="ctr"/>
+              <a:r>
+                <a:rPr lang="en-US" sz="800" dirty="0">
+                  <a:latin typeface="Helvetica" panose="020B0604020202020204" pitchFamily="34" charset="0"/>
+                  <a:cs typeface="Helvetica" panose="020B0604020202020204" pitchFamily="34" charset="0"/>
+                </a:rPr>
+                <a:t>NRS</a:t>
+              </a:r>
+            </a:p>
+          </p:txBody>
+        </p:sp>
+        <p:sp>
+          <p:nvSpPr>
+            <p:cNvPr id="24" name="TextBox 23">
+              <a:extLst>
+                <a:ext uri="{FF2B5EF4-FFF2-40B4-BE49-F238E27FC236}">
+                  <a16:creationId xmlns:a16="http://schemas.microsoft.com/office/drawing/2014/main" id="{A3AFBEE8-EA6D-4831-A550-3111EED0D7FF}"/>
+                </a:ext>
+              </a:extLst>
+            </p:cNvPr>
+            <p:cNvSpPr txBox="1"/>
+            <p:nvPr/>
+          </p:nvSpPr>
+          <p:spPr>
+            <a:xfrm>
+              <a:off x="1430503" y="2132266"/>
+              <a:ext cx="325369" cy="215444"/>
+            </a:xfrm>
+            <a:prstGeom prst="rect">
+              <a:avLst/>
+            </a:prstGeom>
+            <a:noFill/>
+          </p:spPr>
+          <p:txBody>
+            <a:bodyPr wrap="square" rtlCol="0">
+              <a:spAutoFit/>
+            </a:bodyPr>
+            <a:lstStyle/>
+            <a:p>
+              <a:pPr algn="ctr"/>
+              <a:r>
+                <a:rPr lang="en-US" sz="800" dirty="0">
+                  <a:latin typeface="Helvetica" panose="020B0604020202020204" pitchFamily="34" charset="0"/>
+                  <a:cs typeface="Helvetica" panose="020B0604020202020204" pitchFamily="34" charset="0"/>
+                </a:rPr>
+                <a:t>PC</a:t>
+              </a:r>
+            </a:p>
+          </p:txBody>
+        </p:sp>
+        <p:sp>
+          <p:nvSpPr>
+            <p:cNvPr id="25" name="TextBox 24">
+              <a:extLst>
+                <a:ext uri="{FF2B5EF4-FFF2-40B4-BE49-F238E27FC236}">
+                  <a16:creationId xmlns:a16="http://schemas.microsoft.com/office/drawing/2014/main" id="{5780C611-2159-422A-A5A6-D0A5E09F8BEA}"/>
+                </a:ext>
+              </a:extLst>
+            </p:cNvPr>
+            <p:cNvSpPr txBox="1"/>
+            <p:nvPr/>
+          </p:nvSpPr>
+          <p:spPr>
+            <a:xfrm>
+              <a:off x="3621885" y="2132266"/>
+              <a:ext cx="364735" cy="215444"/>
+            </a:xfrm>
+            <a:prstGeom prst="rect">
+              <a:avLst/>
+            </a:prstGeom>
+            <a:noFill/>
+          </p:spPr>
+          <p:txBody>
+            <a:bodyPr wrap="square" rtlCol="0">
+              <a:spAutoFit/>
+            </a:bodyPr>
+            <a:lstStyle/>
+            <a:p>
+              <a:pPr algn="ctr"/>
+              <a:r>
+                <a:rPr lang="en-US" sz="800" dirty="0">
+                  <a:latin typeface="Helvetica" panose="020B0604020202020204" pitchFamily="34" charset="0"/>
+                  <a:cs typeface="Helvetica" panose="020B0604020202020204" pitchFamily="34" charset="0"/>
+                </a:rPr>
+                <a:t>WP</a:t>
+              </a:r>
+            </a:p>
+          </p:txBody>
+        </p:sp>
+        <p:sp>
+          <p:nvSpPr>
+            <p:cNvPr id="26" name="TextBox 25">
+              <a:extLst>
+                <a:ext uri="{FF2B5EF4-FFF2-40B4-BE49-F238E27FC236}">
+                  <a16:creationId xmlns:a16="http://schemas.microsoft.com/office/drawing/2014/main" id="{0B704C85-5DF5-414C-AA03-8E9E09EC1B6A}"/>
+                </a:ext>
+              </a:extLst>
+            </p:cNvPr>
+            <p:cNvSpPr txBox="1"/>
+            <p:nvPr/>
+          </p:nvSpPr>
+          <p:spPr>
+            <a:xfrm>
+              <a:off x="5866677" y="2428115"/>
+              <a:ext cx="385064" cy="215444"/>
+            </a:xfrm>
+            <a:prstGeom prst="rect">
+              <a:avLst/>
+            </a:prstGeom>
+            <a:noFill/>
+          </p:spPr>
+          <p:txBody>
+            <a:bodyPr wrap="square" rtlCol="0">
+              <a:spAutoFit/>
+            </a:bodyPr>
+            <a:lstStyle/>
+            <a:p>
+              <a:pPr algn="ctr"/>
+              <a:r>
+                <a:rPr lang="en-US" sz="800" dirty="0">
+                  <a:latin typeface="Helvetica" panose="020B0604020202020204" pitchFamily="34" charset="0"/>
+                  <a:cs typeface="Helvetica" panose="020B0604020202020204" pitchFamily="34" charset="0"/>
+                </a:rPr>
+                <a:t>YFS</a:t>
+              </a:r>
+            </a:p>
+          </p:txBody>
+        </p:sp>
+      </p:grpSp>
+    </p:spTree>
+    <p:extLst>
+      <p:ext uri="{BB962C8B-B14F-4D97-AF65-F5344CB8AC3E}">
+        <p14:creationId xmlns:p14="http://schemas.microsoft.com/office/powerpoint/2010/main" val="3891826005"/>
+      </p:ext>
+    </p:extLst>
+  </p:cSld>
+  <p:clrMapOvr>
+    <a:masterClrMapping/>
+  </p:clrMapOvr>
+</p:sld>
+</file>
+
+<file path=ppt/slides/slide9.xml><?xml version="1.0" encoding="utf-8"?>
+<p:sld xmlns:a="http://schemas.openxmlformats.org/drawingml/2006/main" xmlns:r="http://schemas.openxmlformats.org/officeDocument/2006/relationships" xmlns:p="http://schemas.openxmlformats.org/presentationml/2006/main">
+  <p:cSld>
+    <p:spTree>
+      <p:nvGrpSpPr>
+        <p:cNvPr id="1" name=""/>
+        <p:cNvGrpSpPr/>
+        <p:nvPr/>
+      </p:nvGrpSpPr>
+      <p:grpSpPr>
+        <a:xfrm>
+          <a:off x="0" y="0"/>
+          <a:ext cx="0" cy="0"/>
+          <a:chOff x="0" y="0"/>
+          <a:chExt cx="0" cy="0"/>
+        </a:xfrm>
+      </p:grpSpPr>
+      <p:grpSp>
+        <p:nvGrpSpPr>
+          <p:cNvPr id="19" name="Group 18">
+            <a:extLst>
+              <a:ext uri="{FF2B5EF4-FFF2-40B4-BE49-F238E27FC236}">
+                <a16:creationId xmlns:a16="http://schemas.microsoft.com/office/drawing/2014/main" id="{165D8458-73C1-4674-A7BD-6935A953BED1}"/>
+              </a:ext>
+            </a:extLst>
+          </p:cNvPr>
+          <p:cNvGrpSpPr/>
+          <p:nvPr/>
+        </p:nvGrpSpPr>
+        <p:grpSpPr>
+          <a:xfrm>
+            <a:off x="-1" y="0"/>
+            <a:ext cx="4370048" cy="8618697"/>
+            <a:chOff x="-1" y="0"/>
+            <a:chExt cx="4370048" cy="8618697"/>
+          </a:xfrm>
+        </p:grpSpPr>
+        <p:pic>
+          <p:nvPicPr>
+            <p:cNvPr id="5" name="Picture 4" descr="Chart, line chart&#10;&#10;Description automatically generated">
+              <a:extLst>
+                <a:ext uri="{FF2B5EF4-FFF2-40B4-BE49-F238E27FC236}">
+                  <a16:creationId xmlns:a16="http://schemas.microsoft.com/office/drawing/2014/main" id="{D284D69A-0A23-42D3-8657-EAD80F793A6E}"/>
+                </a:ext>
+              </a:extLst>
+            </p:cNvPr>
+            <p:cNvPicPr>
+              <a:picLocks noChangeAspect="1"/>
+            </p:cNvPicPr>
+            <p:nvPr/>
+          </p:nvPicPr>
+          <p:blipFill>
+            <a:blip r:embed="rId2">
+              <a:extLst>
+                <a:ext uri="{28A0092B-C50C-407E-A947-70E740481C1C}">
+                  <a14:useLocalDpi xmlns:a14="http://schemas.microsoft.com/office/drawing/2010/main" val="0"/>
+                </a:ext>
+              </a:extLst>
+            </a:blip>
+            <a:stretch>
+              <a:fillRect/>
+            </a:stretch>
+          </p:blipFill>
+          <p:spPr>
+            <a:xfrm>
+              <a:off x="0" y="0"/>
+              <a:ext cx="4370047" cy="1436451"/>
+            </a:xfrm>
+            <a:prstGeom prst="rect">
+              <a:avLst/>
+            </a:prstGeom>
+          </p:spPr>
+        </p:pic>
+        <p:sp>
+          <p:nvSpPr>
+            <p:cNvPr id="6" name="TextBox 5">
+              <a:extLst>
+                <a:ext uri="{FF2B5EF4-FFF2-40B4-BE49-F238E27FC236}">
+                  <a16:creationId xmlns:a16="http://schemas.microsoft.com/office/drawing/2014/main" id="{9304A8B2-5A84-4041-A8B9-C3F0F0727867}"/>
+                </a:ext>
+              </a:extLst>
+            </p:cNvPr>
+            <p:cNvSpPr txBox="1"/>
+            <p:nvPr/>
+          </p:nvSpPr>
+          <p:spPr>
+            <a:xfrm>
+              <a:off x="173904" y="13610"/>
+              <a:ext cx="364638" cy="230832"/>
+            </a:xfrm>
+            <a:prstGeom prst="rect">
+              <a:avLst/>
+            </a:prstGeom>
+            <a:noFill/>
+          </p:spPr>
+          <p:txBody>
+            <a:bodyPr wrap="square" rtlCol="0">
+              <a:spAutoFit/>
+            </a:bodyPr>
+            <a:lstStyle/>
+            <a:p>
+              <a:r>
+                <a:rPr lang="en-US" sz="900" dirty="0">
+                  <a:latin typeface="Helvetica" panose="020B0604020202020204" pitchFamily="34" charset="0"/>
+                  <a:cs typeface="Helvetica" panose="020B0604020202020204" pitchFamily="34" charset="0"/>
+                </a:rPr>
+                <a:t>AP</a:t>
+              </a:r>
+            </a:p>
+          </p:txBody>
+        </p:sp>
+        <p:pic>
+          <p:nvPicPr>
+            <p:cNvPr id="7" name="Picture 6">
+              <a:extLst>
+                <a:ext uri="{FF2B5EF4-FFF2-40B4-BE49-F238E27FC236}">
+                  <a16:creationId xmlns:a16="http://schemas.microsoft.com/office/drawing/2014/main" id="{AD313280-4C45-40D6-9F6B-A7BC259DBFE9}"/>
+                </a:ext>
+              </a:extLst>
+            </p:cNvPr>
+            <p:cNvPicPr>
+              <a:picLocks noChangeAspect="1"/>
+            </p:cNvPicPr>
+            <p:nvPr/>
+          </p:nvPicPr>
+          <p:blipFill>
+            <a:blip r:embed="rId3">
+              <a:extLst>
+                <a:ext uri="{28A0092B-C50C-407E-A947-70E740481C1C}">
+                  <a14:useLocalDpi xmlns:a14="http://schemas.microsoft.com/office/drawing/2010/main" val="0"/>
+                </a:ext>
+              </a:extLst>
+            </a:blip>
+            <a:srcRect/>
+            <a:stretch/>
+          </p:blipFill>
+          <p:spPr>
+            <a:xfrm>
+              <a:off x="-1" y="1436451"/>
+              <a:ext cx="4370047" cy="1436450"/>
+            </a:xfrm>
+            <a:prstGeom prst="rect">
+              <a:avLst/>
+            </a:prstGeom>
+          </p:spPr>
+        </p:pic>
+        <p:sp>
+          <p:nvSpPr>
+            <p:cNvPr id="8" name="TextBox 7">
+              <a:extLst>
+                <a:ext uri="{FF2B5EF4-FFF2-40B4-BE49-F238E27FC236}">
+                  <a16:creationId xmlns:a16="http://schemas.microsoft.com/office/drawing/2014/main" id="{CB5548BF-0569-4B49-A7B7-97C854E16120}"/>
+                </a:ext>
+              </a:extLst>
+            </p:cNvPr>
+            <p:cNvSpPr txBox="1"/>
+            <p:nvPr/>
+          </p:nvSpPr>
+          <p:spPr>
+            <a:xfrm>
+              <a:off x="173904" y="1450061"/>
+              <a:ext cx="431956" cy="230832"/>
+            </a:xfrm>
+            <a:prstGeom prst="rect">
+              <a:avLst/>
+            </a:prstGeom>
+            <a:noFill/>
+          </p:spPr>
+          <p:txBody>
+            <a:bodyPr wrap="square" rtlCol="0">
+              <a:spAutoFit/>
+            </a:bodyPr>
+            <a:lstStyle/>
+            <a:p>
+              <a:r>
+                <a:rPr lang="en-US" sz="900" dirty="0">
+                  <a:latin typeface="Helvetica" panose="020B0604020202020204" pitchFamily="34" charset="0"/>
+                  <a:cs typeface="Helvetica" panose="020B0604020202020204" pitchFamily="34" charset="0"/>
+                </a:rPr>
+                <a:t>FHS</a:t>
+              </a:r>
+            </a:p>
+          </p:txBody>
+        </p:sp>
+        <p:pic>
+          <p:nvPicPr>
+            <p:cNvPr id="9" name="Picture 8">
+              <a:extLst>
+                <a:ext uri="{FF2B5EF4-FFF2-40B4-BE49-F238E27FC236}">
+                  <a16:creationId xmlns:a16="http://schemas.microsoft.com/office/drawing/2014/main" id="{170DF93C-991B-4A25-AB75-4DA213FA7F83}"/>
+                </a:ext>
+              </a:extLst>
+            </p:cNvPr>
+            <p:cNvPicPr>
+              <a:picLocks noChangeAspect="1"/>
+            </p:cNvPicPr>
+            <p:nvPr/>
+          </p:nvPicPr>
+          <p:blipFill>
+            <a:blip r:embed="rId4">
+              <a:extLst>
+                <a:ext uri="{28A0092B-C50C-407E-A947-70E740481C1C}">
+                  <a14:useLocalDpi xmlns:a14="http://schemas.microsoft.com/office/drawing/2010/main" val="0"/>
+                </a:ext>
+              </a:extLst>
+            </a:blip>
+            <a:srcRect/>
+            <a:stretch/>
+          </p:blipFill>
+          <p:spPr>
+            <a:xfrm>
+              <a:off x="1" y="2872901"/>
+              <a:ext cx="4370045" cy="1436450"/>
+            </a:xfrm>
+            <a:prstGeom prst="rect">
+              <a:avLst/>
+            </a:prstGeom>
+          </p:spPr>
+        </p:pic>
+        <p:sp>
+          <p:nvSpPr>
+            <p:cNvPr id="10" name="TextBox 9">
+              <a:extLst>
+                <a:ext uri="{FF2B5EF4-FFF2-40B4-BE49-F238E27FC236}">
+                  <a16:creationId xmlns:a16="http://schemas.microsoft.com/office/drawing/2014/main" id="{054639CA-4377-40AB-8F8D-E3FE3F832E86}"/>
+                </a:ext>
+              </a:extLst>
+            </p:cNvPr>
+            <p:cNvSpPr txBox="1"/>
+            <p:nvPr/>
+          </p:nvSpPr>
+          <p:spPr>
+            <a:xfrm>
+              <a:off x="140245" y="2886511"/>
+              <a:ext cx="431956" cy="230832"/>
+            </a:xfrm>
+            <a:prstGeom prst="rect">
+              <a:avLst/>
+            </a:prstGeom>
+            <a:noFill/>
+          </p:spPr>
+          <p:txBody>
+            <a:bodyPr wrap="square" rtlCol="0">
+              <a:spAutoFit/>
+            </a:bodyPr>
+            <a:lstStyle/>
+            <a:p>
+              <a:r>
+                <a:rPr lang="en-US" sz="900" dirty="0">
+                  <a:latin typeface="Helvetica" panose="020B0604020202020204" pitchFamily="34" charset="0"/>
+                  <a:cs typeface="Helvetica" panose="020B0604020202020204" pitchFamily="34" charset="0"/>
+                </a:rPr>
+                <a:t>NRS</a:t>
+              </a:r>
+            </a:p>
+          </p:txBody>
+        </p:sp>
+        <p:pic>
+          <p:nvPicPr>
+            <p:cNvPr id="11" name="Picture 10">
+              <a:extLst>
+                <a:ext uri="{FF2B5EF4-FFF2-40B4-BE49-F238E27FC236}">
+                  <a16:creationId xmlns:a16="http://schemas.microsoft.com/office/drawing/2014/main" id="{9376A9FB-0131-4C90-AF05-75DD45B1ABD4}"/>
+                </a:ext>
+              </a:extLst>
+            </p:cNvPr>
+            <p:cNvPicPr>
+              <a:picLocks noChangeAspect="1"/>
+            </p:cNvPicPr>
+            <p:nvPr/>
+          </p:nvPicPr>
+          <p:blipFill>
+            <a:blip r:embed="rId5">
+              <a:extLst>
+                <a:ext uri="{28A0092B-C50C-407E-A947-70E740481C1C}">
+                  <a14:useLocalDpi xmlns:a14="http://schemas.microsoft.com/office/drawing/2010/main" val="0"/>
+                </a:ext>
+              </a:extLst>
+            </a:blip>
+            <a:srcRect/>
+            <a:stretch/>
+          </p:blipFill>
+          <p:spPr>
+            <a:xfrm>
+              <a:off x="-1" y="4309351"/>
+              <a:ext cx="4370045" cy="1436449"/>
+            </a:xfrm>
+            <a:prstGeom prst="rect">
+              <a:avLst/>
+            </a:prstGeom>
+          </p:spPr>
+        </p:pic>
+        <p:sp>
+          <p:nvSpPr>
+            <p:cNvPr id="12" name="TextBox 11">
+              <a:extLst>
+                <a:ext uri="{FF2B5EF4-FFF2-40B4-BE49-F238E27FC236}">
+                  <a16:creationId xmlns:a16="http://schemas.microsoft.com/office/drawing/2014/main" id="{9201BAB2-6B72-4350-B93E-91ECF4A26163}"/>
+                </a:ext>
+              </a:extLst>
+            </p:cNvPr>
+            <p:cNvSpPr txBox="1"/>
+            <p:nvPr/>
+          </p:nvSpPr>
+          <p:spPr>
+            <a:xfrm>
+              <a:off x="1134117" y="4314961"/>
+              <a:ext cx="380533" cy="230832"/>
+            </a:xfrm>
+            <a:prstGeom prst="rect">
+              <a:avLst/>
+            </a:prstGeom>
+            <a:noFill/>
+          </p:spPr>
+          <p:txBody>
+            <a:bodyPr wrap="square" rtlCol="0">
+              <a:spAutoFit/>
+            </a:bodyPr>
+            <a:lstStyle/>
+            <a:p>
+              <a:r>
+                <a:rPr lang="en-US" sz="900" dirty="0">
+                  <a:latin typeface="Helvetica" panose="020B0604020202020204" pitchFamily="34" charset="0"/>
+                  <a:cs typeface="Helvetica" panose="020B0604020202020204" pitchFamily="34" charset="0"/>
+                </a:rPr>
+                <a:t>PC</a:t>
+              </a:r>
+            </a:p>
+          </p:txBody>
+        </p:sp>
+        <p:pic>
+          <p:nvPicPr>
+            <p:cNvPr id="13" name="Picture 12">
+              <a:extLst>
+                <a:ext uri="{FF2B5EF4-FFF2-40B4-BE49-F238E27FC236}">
+                  <a16:creationId xmlns:a16="http://schemas.microsoft.com/office/drawing/2014/main" id="{7006E990-79AF-419E-AFC6-DDA814A18972}"/>
+                </a:ext>
+              </a:extLst>
+            </p:cNvPr>
+            <p:cNvPicPr>
+              <a:picLocks noChangeAspect="1"/>
+            </p:cNvPicPr>
+            <p:nvPr/>
+          </p:nvPicPr>
+          <p:blipFill>
+            <a:blip r:embed="rId6">
+              <a:extLst>
+                <a:ext uri="{28A0092B-C50C-407E-A947-70E740481C1C}">
+                  <a14:useLocalDpi xmlns:a14="http://schemas.microsoft.com/office/drawing/2010/main" val="0"/>
+                </a:ext>
+              </a:extLst>
+            </a:blip>
+            <a:srcRect/>
+            <a:stretch/>
+          </p:blipFill>
+          <p:spPr>
+            <a:xfrm>
+              <a:off x="1" y="5745800"/>
+              <a:ext cx="4370042" cy="1436449"/>
+            </a:xfrm>
+            <a:prstGeom prst="rect">
+              <a:avLst/>
+            </a:prstGeom>
+          </p:spPr>
+        </p:pic>
+        <p:sp>
+          <p:nvSpPr>
+            <p:cNvPr id="14" name="TextBox 13">
+              <a:extLst>
+                <a:ext uri="{FF2B5EF4-FFF2-40B4-BE49-F238E27FC236}">
+                  <a16:creationId xmlns:a16="http://schemas.microsoft.com/office/drawing/2014/main" id="{1669C331-94CF-4A85-8279-C4804BC44601}"/>
+                </a:ext>
+              </a:extLst>
+            </p:cNvPr>
+            <p:cNvSpPr txBox="1"/>
+            <p:nvPr/>
+          </p:nvSpPr>
+          <p:spPr>
+            <a:xfrm>
+              <a:off x="129025" y="5757020"/>
+              <a:ext cx="380533" cy="230832"/>
+            </a:xfrm>
+            <a:prstGeom prst="rect">
+              <a:avLst/>
+            </a:prstGeom>
+            <a:noFill/>
+          </p:spPr>
+          <p:txBody>
+            <a:bodyPr wrap="square" rtlCol="0">
+              <a:spAutoFit/>
+            </a:bodyPr>
+            <a:lstStyle/>
+            <a:p>
+              <a:r>
+                <a:rPr lang="en-US" sz="900" dirty="0">
+                  <a:latin typeface="Helvetica" panose="020B0604020202020204" pitchFamily="34" charset="0"/>
+                  <a:cs typeface="Helvetica" panose="020B0604020202020204" pitchFamily="34" charset="0"/>
+                </a:rPr>
+                <a:t>WP</a:t>
+              </a:r>
+            </a:p>
+          </p:txBody>
+        </p:sp>
+        <p:pic>
+          <p:nvPicPr>
+            <p:cNvPr id="15" name="Picture 14">
+              <a:extLst>
+                <a:ext uri="{FF2B5EF4-FFF2-40B4-BE49-F238E27FC236}">
+                  <a16:creationId xmlns:a16="http://schemas.microsoft.com/office/drawing/2014/main" id="{8E66A331-0AEA-4600-B3DC-7D6918481D47}"/>
+                </a:ext>
+              </a:extLst>
+            </p:cNvPr>
+            <p:cNvPicPr>
+              <a:picLocks noChangeAspect="1"/>
+            </p:cNvPicPr>
+            <p:nvPr/>
+          </p:nvPicPr>
+          <p:blipFill>
+            <a:blip r:embed="rId7">
+              <a:extLst>
+                <a:ext uri="{28A0092B-C50C-407E-A947-70E740481C1C}">
+                  <a14:useLocalDpi xmlns:a14="http://schemas.microsoft.com/office/drawing/2010/main" val="0"/>
+                </a:ext>
+              </a:extLst>
+            </a:blip>
+            <a:srcRect/>
+            <a:stretch/>
+          </p:blipFill>
+          <p:spPr>
+            <a:xfrm>
+              <a:off x="1" y="7182249"/>
+              <a:ext cx="4370042" cy="1436448"/>
+            </a:xfrm>
+            <a:prstGeom prst="rect">
+              <a:avLst/>
+            </a:prstGeom>
+          </p:spPr>
+        </p:pic>
+        <p:sp>
+          <p:nvSpPr>
+            <p:cNvPr id="16" name="TextBox 15">
+              <a:extLst>
+                <a:ext uri="{FF2B5EF4-FFF2-40B4-BE49-F238E27FC236}">
+                  <a16:creationId xmlns:a16="http://schemas.microsoft.com/office/drawing/2014/main" id="{B8FE495F-04B4-4786-BC02-0ECE9C953E1E}"/>
+                </a:ext>
+              </a:extLst>
+            </p:cNvPr>
+            <p:cNvSpPr txBox="1"/>
+            <p:nvPr/>
+          </p:nvSpPr>
+          <p:spPr>
+            <a:xfrm>
+              <a:off x="1060256" y="7195153"/>
+              <a:ext cx="454394" cy="230832"/>
+            </a:xfrm>
+            <a:prstGeom prst="rect">
+              <a:avLst/>
+            </a:prstGeom>
+            <a:noFill/>
+          </p:spPr>
+          <p:txBody>
+            <a:bodyPr wrap="square" rtlCol="0">
+              <a:spAutoFit/>
+            </a:bodyPr>
+            <a:lstStyle/>
+            <a:p>
+              <a:r>
+                <a:rPr lang="en-US" sz="900" dirty="0">
+                  <a:latin typeface="Helvetica" panose="020B0604020202020204" pitchFamily="34" charset="0"/>
+                  <a:cs typeface="Helvetica" panose="020B0604020202020204" pitchFamily="34" charset="0"/>
+                </a:rPr>
+                <a:t>YFS</a:t>
+              </a:r>
+            </a:p>
+          </p:txBody>
+        </p:sp>
+      </p:grpSp>
+    </p:spTree>
+    <p:extLst>
+      <p:ext uri="{BB962C8B-B14F-4D97-AF65-F5344CB8AC3E}">
+        <p14:creationId xmlns:p14="http://schemas.microsoft.com/office/powerpoint/2010/main" val="3789497511"/>
       </p:ext>
     </p:extLst>
   </p:cSld>
